--- a/Introduction.pptx
+++ b/Introduction.pptx
@@ -5,9 +5,11 @@
     <p:sldMasterId id="2147483648" r:id="rId1"/>
   </p:sldMasterIdLst>
   <p:sldIdLst>
-    <p:sldId id="256" r:id="rId2"/>
-    <p:sldId id="257" r:id="rId3"/>
-    <p:sldId id="258" r:id="rId4"/>
+    <p:sldId id="260" r:id="rId2"/>
+    <p:sldId id="256" r:id="rId3"/>
+    <p:sldId id="257" r:id="rId4"/>
+    <p:sldId id="258" r:id="rId5"/>
+    <p:sldId id="259" r:id="rId6"/>
   </p:sldIdLst>
   <p:sldSz cx="12192000" cy="6858000"/>
   <p:notesSz cx="6858000" cy="9144000"/>
@@ -106,6 +108,11 @@
       </a:defRPr>
     </a:lvl9pPr>
   </p:defaultTextStyle>
+  <p:extLst>
+    <p:ext uri="{EFAFB233-063F-42B5-8137-9DF3F51BA10A}">
+      <p15:sldGuideLst xmlns:p15="http://schemas.microsoft.com/office/powerpoint/2012/main"/>
+    </p:ext>
+  </p:extLst>
 </p:presentation>
 </file>
 
@@ -240,7 +247,7 @@
           <a:p>
             <a:fld id="{F41FD93D-C80A-4A10-B1B5-F7A291B343FE}" type="datetimeFigureOut">
               <a:rPr lang="zh-CN" altLang="en-US" smtClean="0"/>
-              <a:t>2017/8/4</a:t>
+              <a:t>2017/9/22</a:t>
             </a:fld>
             <a:endParaRPr lang="zh-CN" altLang="en-US"/>
           </a:p>
@@ -410,7 +417,7 @@
           <a:p>
             <a:fld id="{F41FD93D-C80A-4A10-B1B5-F7A291B343FE}" type="datetimeFigureOut">
               <a:rPr lang="zh-CN" altLang="en-US" smtClean="0"/>
-              <a:t>2017/8/4</a:t>
+              <a:t>2017/9/22</a:t>
             </a:fld>
             <a:endParaRPr lang="zh-CN" altLang="en-US"/>
           </a:p>
@@ -590,7 +597,7 @@
           <a:p>
             <a:fld id="{F41FD93D-C80A-4A10-B1B5-F7A291B343FE}" type="datetimeFigureOut">
               <a:rPr lang="zh-CN" altLang="en-US" smtClean="0"/>
-              <a:t>2017/8/4</a:t>
+              <a:t>2017/9/22</a:t>
             </a:fld>
             <a:endParaRPr lang="zh-CN" altLang="en-US"/>
           </a:p>
@@ -760,7 +767,7 @@
           <a:p>
             <a:fld id="{F41FD93D-C80A-4A10-B1B5-F7A291B343FE}" type="datetimeFigureOut">
               <a:rPr lang="zh-CN" altLang="en-US" smtClean="0"/>
-              <a:t>2017/8/4</a:t>
+              <a:t>2017/9/22</a:t>
             </a:fld>
             <a:endParaRPr lang="zh-CN" altLang="en-US"/>
           </a:p>
@@ -1006,7 +1013,7 @@
           <a:p>
             <a:fld id="{F41FD93D-C80A-4A10-B1B5-F7A291B343FE}" type="datetimeFigureOut">
               <a:rPr lang="zh-CN" altLang="en-US" smtClean="0"/>
-              <a:t>2017/8/4</a:t>
+              <a:t>2017/9/22</a:t>
             </a:fld>
             <a:endParaRPr lang="zh-CN" altLang="en-US"/>
           </a:p>
@@ -1238,7 +1245,7 @@
           <a:p>
             <a:fld id="{F41FD93D-C80A-4A10-B1B5-F7A291B343FE}" type="datetimeFigureOut">
               <a:rPr lang="zh-CN" altLang="en-US" smtClean="0"/>
-              <a:t>2017/8/4</a:t>
+              <a:t>2017/9/22</a:t>
             </a:fld>
             <a:endParaRPr lang="zh-CN" altLang="en-US"/>
           </a:p>
@@ -1605,7 +1612,7 @@
           <a:p>
             <a:fld id="{F41FD93D-C80A-4A10-B1B5-F7A291B343FE}" type="datetimeFigureOut">
               <a:rPr lang="zh-CN" altLang="en-US" smtClean="0"/>
-              <a:t>2017/8/4</a:t>
+              <a:t>2017/9/22</a:t>
             </a:fld>
             <a:endParaRPr lang="zh-CN" altLang="en-US"/>
           </a:p>
@@ -1723,7 +1730,7 @@
           <a:p>
             <a:fld id="{F41FD93D-C80A-4A10-B1B5-F7A291B343FE}" type="datetimeFigureOut">
               <a:rPr lang="zh-CN" altLang="en-US" smtClean="0"/>
-              <a:t>2017/8/4</a:t>
+              <a:t>2017/9/22</a:t>
             </a:fld>
             <a:endParaRPr lang="zh-CN" altLang="en-US"/>
           </a:p>
@@ -1818,7 +1825,7 @@
           <a:p>
             <a:fld id="{F41FD93D-C80A-4A10-B1B5-F7A291B343FE}" type="datetimeFigureOut">
               <a:rPr lang="zh-CN" altLang="en-US" smtClean="0"/>
-              <a:t>2017/8/4</a:t>
+              <a:t>2017/9/22</a:t>
             </a:fld>
             <a:endParaRPr lang="zh-CN" altLang="en-US"/>
           </a:p>
@@ -2095,7 +2102,7 @@
           <a:p>
             <a:fld id="{F41FD93D-C80A-4A10-B1B5-F7A291B343FE}" type="datetimeFigureOut">
               <a:rPr lang="zh-CN" altLang="en-US" smtClean="0"/>
-              <a:t>2017/8/4</a:t>
+              <a:t>2017/9/22</a:t>
             </a:fld>
             <a:endParaRPr lang="zh-CN" altLang="en-US"/>
           </a:p>
@@ -2348,7 +2355,7 @@
           <a:p>
             <a:fld id="{F41FD93D-C80A-4A10-B1B5-F7A291B343FE}" type="datetimeFigureOut">
               <a:rPr lang="zh-CN" altLang="en-US" smtClean="0"/>
-              <a:t>2017/8/4</a:t>
+              <a:t>2017/9/22</a:t>
             </a:fld>
             <a:endParaRPr lang="zh-CN" altLang="en-US"/>
           </a:p>
@@ -2561,7 +2568,7 @@
           <a:p>
             <a:fld id="{F41FD93D-C80A-4A10-B1B5-F7A291B343FE}" type="datetimeFigureOut">
               <a:rPr lang="zh-CN" altLang="en-US" smtClean="0"/>
-              <a:t>2017/8/4</a:t>
+              <a:t>2017/9/22</a:t>
             </a:fld>
             <a:endParaRPr lang="zh-CN" altLang="en-US"/>
           </a:p>
@@ -2968,7 +2975,7 @@
       </p:grpSpPr>
       <p:pic>
         <p:nvPicPr>
-          <p:cNvPr id="5" name="图片 4"/>
+          <p:cNvPr id="4" name="图片 3"/>
           <p:cNvPicPr>
             <a:picLocks noChangeAspect="1"/>
           </p:cNvPicPr>
@@ -2982,8 +2989,8 @@
         </p:blipFill>
         <p:spPr>
           <a:xfrm>
-            <a:off x="631840" y="555600"/>
-            <a:ext cx="10926574" cy="5904000"/>
+            <a:off x="1433678" y="486130"/>
+            <a:ext cx="2657143" cy="5676190"/>
           </a:xfrm>
           <a:prstGeom prst="rect">
             <a:avLst/>
@@ -2993,7 +3000,7 @@
     </p:spTree>
     <p:extLst>
       <p:ext uri="{BB962C8B-B14F-4D97-AF65-F5344CB8AC3E}">
-        <p14:creationId xmlns:p14="http://schemas.microsoft.com/office/powerpoint/2010/main" val="476548283"/>
+        <p14:creationId xmlns:p14="http://schemas.microsoft.com/office/powerpoint/2010/main" val="3803827655"/>
       </p:ext>
     </p:extLst>
   </p:cSld>
@@ -3020,82 +3027,47 @@
           <a:chExt cx="0" cy="0"/>
         </a:xfrm>
       </p:grpSpPr>
-      <p:sp>
-        <p:nvSpPr>
-          <p:cNvPr id="2" name="标题 1"/>
-          <p:cNvSpPr>
-            <a:spLocks noGrp="1"/>
-          </p:cNvSpPr>
-          <p:nvPr>
-            <p:ph type="title"/>
-          </p:nvPr>
-        </p:nvSpPr>
-        <p:spPr/>
-        <p:txBody>
-          <a:bodyPr/>
-          <a:lstStyle/>
-          <a:p>
-            <a:r>
-              <a:rPr lang="en-US" altLang="zh-CN" dirty="0" smtClean="0"/>
-              <a:t>UI layer</a:t>
-            </a:r>
-            <a:endParaRPr lang="zh-CN" altLang="en-US" dirty="0"/>
-          </a:p>
-        </p:txBody>
-      </p:sp>
-      <p:sp>
-        <p:nvSpPr>
-          <p:cNvPr id="3" name="内容占位符 2"/>
-          <p:cNvSpPr>
-            <a:spLocks noGrp="1"/>
-          </p:cNvSpPr>
-          <p:nvPr>
-            <p:ph idx="1"/>
-          </p:nvPr>
-        </p:nvSpPr>
+      <p:pic>
+        <p:nvPicPr>
+          <p:cNvPr id="2" name="图片 1"/>
+          <p:cNvPicPr>
+            <a:picLocks noChangeAspect="1"/>
+          </p:cNvPicPr>
+          <p:nvPr/>
+        </p:nvPicPr>
+        <p:blipFill>
+          <a:blip r:embed="rId2"/>
+          <a:stretch>
+            <a:fillRect/>
+          </a:stretch>
+        </p:blipFill>
         <p:spPr>
           <a:xfrm>
-            <a:off x="838200" y="1939925"/>
-            <a:ext cx="10515600" cy="4351338"/>
+            <a:off x="299586" y="247202"/>
+            <a:ext cx="11628000" cy="6310613"/>
           </a:xfrm>
+          <a:prstGeom prst="rect">
+            <a:avLst/>
+          </a:prstGeom>
         </p:spPr>
-        <p:txBody>
-          <a:bodyPr/>
-          <a:lstStyle/>
-          <a:p>
-            <a:r>
-              <a:rPr lang="zh-CN" altLang="en-US" dirty="0"/>
-              <a:t>红色框</a:t>
-            </a:r>
-            <a:r>
-              <a:rPr lang="zh-CN" altLang="en-US" dirty="0" smtClean="0"/>
-              <a:t>线框住的部分为</a:t>
-            </a:r>
-            <a:r>
-              <a:rPr lang="en-US" altLang="zh-CN" dirty="0" smtClean="0"/>
-              <a:t>UI </a:t>
-            </a:r>
-            <a:r>
-              <a:rPr lang="zh-CN" altLang="en-US" dirty="0" smtClean="0"/>
-              <a:t>层，它只提供一个框架及与业务逻辑无关的消息处理，框架中不进行任何业务逻辑的处理</a:t>
-            </a:r>
-            <a:endParaRPr lang="en-US" altLang="zh-CN" dirty="0" smtClean="0"/>
-          </a:p>
-          <a:p>
-            <a:endParaRPr lang="zh-CN" altLang="en-US" dirty="0"/>
-          </a:p>
-        </p:txBody>
-      </p:sp>
+      </p:pic>
     </p:spTree>
     <p:extLst>
       <p:ext uri="{BB962C8B-B14F-4D97-AF65-F5344CB8AC3E}">
-        <p14:creationId xmlns:p14="http://schemas.microsoft.com/office/powerpoint/2010/main" val="321725242"/>
+        <p14:creationId xmlns:p14="http://schemas.microsoft.com/office/powerpoint/2010/main" val="476548283"/>
       </p:ext>
     </p:extLst>
   </p:cSld>
   <p:clrMapOvr>
     <a:masterClrMapping/>
   </p:clrMapOvr>
+  <p:timing>
+    <p:tnLst>
+      <p:par>
+        <p:cTn id="1" dur="indefinite" restart="never" nodeType="tmRoot"/>
+      </p:par>
+    </p:tnLst>
+  </p:timing>
 </p:sld>
 </file>
 
@@ -3116,9 +3088,112 @@
           <a:chExt cx="0" cy="0"/>
         </a:xfrm>
       </p:grpSpPr>
+      <p:sp>
+        <p:nvSpPr>
+          <p:cNvPr id="2" name="标题 1"/>
+          <p:cNvSpPr>
+            <a:spLocks noGrp="1"/>
+          </p:cNvSpPr>
+          <p:nvPr>
+            <p:ph type="title"/>
+          </p:nvPr>
+        </p:nvSpPr>
+        <p:spPr/>
+        <p:txBody>
+          <a:bodyPr/>
+          <a:lstStyle/>
+          <a:p>
+            <a:r>
+              <a:rPr lang="en-US" altLang="zh-CN" dirty="0" smtClean="0"/>
+              <a:t>UI layer</a:t>
+            </a:r>
+            <a:endParaRPr lang="zh-CN" altLang="en-US" dirty="0"/>
+          </a:p>
+        </p:txBody>
+      </p:sp>
+      <p:sp>
+        <p:nvSpPr>
+          <p:cNvPr id="3" name="内容占位符 2"/>
+          <p:cNvSpPr>
+            <a:spLocks noGrp="1"/>
+          </p:cNvSpPr>
+          <p:nvPr>
+            <p:ph idx="1"/>
+          </p:nvPr>
+        </p:nvSpPr>
+        <p:spPr>
+          <a:xfrm>
+            <a:off x="838200" y="1939925"/>
+            <a:ext cx="10515600" cy="4351338"/>
+          </a:xfrm>
+        </p:spPr>
+        <p:txBody>
+          <a:bodyPr/>
+          <a:lstStyle/>
+          <a:p>
+            <a:r>
+              <a:rPr lang="zh-CN" altLang="en-US" dirty="0"/>
+              <a:t>红色框</a:t>
+            </a:r>
+            <a:r>
+              <a:rPr lang="zh-CN" altLang="en-US" dirty="0" smtClean="0"/>
+              <a:t>线框住的部分为</a:t>
+            </a:r>
+            <a:r>
+              <a:rPr lang="en-US" altLang="zh-CN" dirty="0" smtClean="0"/>
+              <a:t>UI </a:t>
+            </a:r>
+            <a:r>
+              <a:rPr lang="zh-CN" altLang="en-US" dirty="0" smtClean="0"/>
+              <a:t>层，它只提供一个框架及与业务逻辑无关的消息处理，框架中不进行任何业务逻辑的处理</a:t>
+            </a:r>
+            <a:endParaRPr lang="en-US" altLang="zh-CN" dirty="0" smtClean="0"/>
+          </a:p>
+          <a:p>
+            <a:endParaRPr lang="zh-CN" altLang="en-US" dirty="0"/>
+          </a:p>
+        </p:txBody>
+      </p:sp>
+    </p:spTree>
+    <p:extLst>
+      <p:ext uri="{BB962C8B-B14F-4D97-AF65-F5344CB8AC3E}">
+        <p14:creationId xmlns:p14="http://schemas.microsoft.com/office/powerpoint/2010/main" val="321725242"/>
+      </p:ext>
+    </p:extLst>
+  </p:cSld>
+  <p:clrMapOvr>
+    <a:masterClrMapping/>
+  </p:clrMapOvr>
+  <p:timing>
+    <p:tnLst>
+      <p:par>
+        <p:cTn id="1" dur="indefinite" restart="never" nodeType="tmRoot"/>
+      </p:par>
+    </p:tnLst>
+  </p:timing>
+</p:sld>
+</file>
+
+<file path=ppt/slides/slide4.xml><?xml version="1.0" encoding="utf-8"?>
+<p:sld xmlns:a="http://schemas.openxmlformats.org/drawingml/2006/main" xmlns:r="http://schemas.openxmlformats.org/officeDocument/2006/relationships" xmlns:p="http://schemas.openxmlformats.org/presentationml/2006/main">
+  <p:cSld>
+    <p:spTree>
+      <p:nvGrpSpPr>
+        <p:cNvPr id="1" name=""/>
+        <p:cNvGrpSpPr/>
+        <p:nvPr/>
+      </p:nvGrpSpPr>
+      <p:grpSpPr>
+        <a:xfrm>
+          <a:off x="0" y="0"/>
+          <a:ext cx="0" cy="0"/>
+          <a:chOff x="0" y="0"/>
+          <a:chExt cx="0" cy="0"/>
+        </a:xfrm>
+      </p:grpSpPr>
       <p:pic>
         <p:nvPicPr>
-          <p:cNvPr id="4" name="图片 3"/>
+          <p:cNvPr id="2" name="图片 1"/>
           <p:cNvPicPr>
             <a:picLocks noChangeAspect="1"/>
           </p:cNvPicPr>
@@ -3132,8 +3207,8 @@
         </p:blipFill>
         <p:spPr>
           <a:xfrm>
-            <a:off x="-409575" y="-76200"/>
-            <a:ext cx="13011150" cy="7010400"/>
+            <a:off x="265471" y="529310"/>
+            <a:ext cx="11661058" cy="6075514"/>
           </a:xfrm>
           <a:prstGeom prst="rect">
             <a:avLst/>
@@ -3144,6 +3219,81 @@
     <p:extLst>
       <p:ext uri="{BB962C8B-B14F-4D97-AF65-F5344CB8AC3E}">
         <p14:creationId xmlns:p14="http://schemas.microsoft.com/office/powerpoint/2010/main" val="630661026"/>
+      </p:ext>
+    </p:extLst>
+  </p:cSld>
+  <p:clrMapOvr>
+    <a:masterClrMapping/>
+  </p:clrMapOvr>
+  <p:timing>
+    <p:tnLst>
+      <p:par>
+        <p:cTn id="1" dur="indefinite" restart="never" nodeType="tmRoot"/>
+      </p:par>
+    </p:tnLst>
+  </p:timing>
+</p:sld>
+</file>
+
+<file path=ppt/slides/slide5.xml><?xml version="1.0" encoding="utf-8"?>
+<p:sld xmlns:a="http://schemas.openxmlformats.org/drawingml/2006/main" xmlns:r="http://schemas.openxmlformats.org/officeDocument/2006/relationships" xmlns:p="http://schemas.openxmlformats.org/presentationml/2006/main">
+  <p:cSld>
+    <p:spTree>
+      <p:nvGrpSpPr>
+        <p:cNvPr id="1" name=""/>
+        <p:cNvGrpSpPr/>
+        <p:nvPr/>
+      </p:nvGrpSpPr>
+      <p:grpSpPr>
+        <a:xfrm>
+          <a:off x="0" y="0"/>
+          <a:ext cx="0" cy="0"/>
+          <a:chOff x="0" y="0"/>
+          <a:chExt cx="0" cy="0"/>
+        </a:xfrm>
+      </p:grpSpPr>
+      <p:sp>
+        <p:nvSpPr>
+          <p:cNvPr id="2" name="标题 1"/>
+          <p:cNvSpPr>
+            <a:spLocks noGrp="1"/>
+          </p:cNvSpPr>
+          <p:nvPr>
+            <p:ph type="title"/>
+          </p:nvPr>
+        </p:nvSpPr>
+        <p:spPr/>
+        <p:txBody>
+          <a:bodyPr/>
+          <a:lstStyle/>
+          <a:p>
+            <a:endParaRPr lang="zh-CN" altLang="en-US"/>
+          </a:p>
+        </p:txBody>
+      </p:sp>
+      <p:sp>
+        <p:nvSpPr>
+          <p:cNvPr id="3" name="内容占位符 2"/>
+          <p:cNvSpPr>
+            <a:spLocks noGrp="1"/>
+          </p:cNvSpPr>
+          <p:nvPr>
+            <p:ph idx="1"/>
+          </p:nvPr>
+        </p:nvSpPr>
+        <p:spPr/>
+        <p:txBody>
+          <a:bodyPr/>
+          <a:lstStyle/>
+          <a:p>
+            <a:endParaRPr lang="zh-CN" altLang="en-US"/>
+          </a:p>
+        </p:txBody>
+      </p:sp>
+    </p:spTree>
+    <p:extLst>
+      <p:ext uri="{BB962C8B-B14F-4D97-AF65-F5344CB8AC3E}">
+        <p14:creationId xmlns:p14="http://schemas.microsoft.com/office/powerpoint/2010/main" val="1945120843"/>
       </p:ext>
     </p:extLst>
   </p:cSld>

--- a/Introduction.pptx
+++ b/Introduction.pptx
@@ -8,8 +8,9 @@
     <p:sldId id="260" r:id="rId2"/>
     <p:sldId id="256" r:id="rId3"/>
     <p:sldId id="257" r:id="rId4"/>
-    <p:sldId id="258" r:id="rId5"/>
-    <p:sldId id="259" r:id="rId6"/>
+    <p:sldId id="261" r:id="rId5"/>
+    <p:sldId id="258" r:id="rId6"/>
+    <p:sldId id="259" r:id="rId7"/>
   </p:sldIdLst>
   <p:sldSz cx="12192000" cy="6858000"/>
   <p:notesSz cx="6858000" cy="9144000"/>
@@ -247,7 +248,7 @@
           <a:p>
             <a:fld id="{F41FD93D-C80A-4A10-B1B5-F7A291B343FE}" type="datetimeFigureOut">
               <a:rPr lang="zh-CN" altLang="en-US" smtClean="0"/>
-              <a:t>2017/9/22</a:t>
+              <a:t>2017/10/14</a:t>
             </a:fld>
             <a:endParaRPr lang="zh-CN" altLang="en-US"/>
           </a:p>
@@ -417,7 +418,7 @@
           <a:p>
             <a:fld id="{F41FD93D-C80A-4A10-B1B5-F7A291B343FE}" type="datetimeFigureOut">
               <a:rPr lang="zh-CN" altLang="en-US" smtClean="0"/>
-              <a:t>2017/9/22</a:t>
+              <a:t>2017/10/14</a:t>
             </a:fld>
             <a:endParaRPr lang="zh-CN" altLang="en-US"/>
           </a:p>
@@ -597,7 +598,7 @@
           <a:p>
             <a:fld id="{F41FD93D-C80A-4A10-B1B5-F7A291B343FE}" type="datetimeFigureOut">
               <a:rPr lang="zh-CN" altLang="en-US" smtClean="0"/>
-              <a:t>2017/9/22</a:t>
+              <a:t>2017/10/14</a:t>
             </a:fld>
             <a:endParaRPr lang="zh-CN" altLang="en-US"/>
           </a:p>
@@ -767,7 +768,7 @@
           <a:p>
             <a:fld id="{F41FD93D-C80A-4A10-B1B5-F7A291B343FE}" type="datetimeFigureOut">
               <a:rPr lang="zh-CN" altLang="en-US" smtClean="0"/>
-              <a:t>2017/9/22</a:t>
+              <a:t>2017/10/14</a:t>
             </a:fld>
             <a:endParaRPr lang="zh-CN" altLang="en-US"/>
           </a:p>
@@ -1013,7 +1014,7 @@
           <a:p>
             <a:fld id="{F41FD93D-C80A-4A10-B1B5-F7A291B343FE}" type="datetimeFigureOut">
               <a:rPr lang="zh-CN" altLang="en-US" smtClean="0"/>
-              <a:t>2017/9/22</a:t>
+              <a:t>2017/10/14</a:t>
             </a:fld>
             <a:endParaRPr lang="zh-CN" altLang="en-US"/>
           </a:p>
@@ -1245,7 +1246,7 @@
           <a:p>
             <a:fld id="{F41FD93D-C80A-4A10-B1B5-F7A291B343FE}" type="datetimeFigureOut">
               <a:rPr lang="zh-CN" altLang="en-US" smtClean="0"/>
-              <a:t>2017/9/22</a:t>
+              <a:t>2017/10/14</a:t>
             </a:fld>
             <a:endParaRPr lang="zh-CN" altLang="en-US"/>
           </a:p>
@@ -1612,7 +1613,7 @@
           <a:p>
             <a:fld id="{F41FD93D-C80A-4A10-B1B5-F7A291B343FE}" type="datetimeFigureOut">
               <a:rPr lang="zh-CN" altLang="en-US" smtClean="0"/>
-              <a:t>2017/9/22</a:t>
+              <a:t>2017/10/14</a:t>
             </a:fld>
             <a:endParaRPr lang="zh-CN" altLang="en-US"/>
           </a:p>
@@ -1730,7 +1731,7 @@
           <a:p>
             <a:fld id="{F41FD93D-C80A-4A10-B1B5-F7A291B343FE}" type="datetimeFigureOut">
               <a:rPr lang="zh-CN" altLang="en-US" smtClean="0"/>
-              <a:t>2017/9/22</a:t>
+              <a:t>2017/10/14</a:t>
             </a:fld>
             <a:endParaRPr lang="zh-CN" altLang="en-US"/>
           </a:p>
@@ -1825,7 +1826,7 @@
           <a:p>
             <a:fld id="{F41FD93D-C80A-4A10-B1B5-F7A291B343FE}" type="datetimeFigureOut">
               <a:rPr lang="zh-CN" altLang="en-US" smtClean="0"/>
-              <a:t>2017/9/22</a:t>
+              <a:t>2017/10/14</a:t>
             </a:fld>
             <a:endParaRPr lang="zh-CN" altLang="en-US"/>
           </a:p>
@@ -2102,7 +2103,7 @@
           <a:p>
             <a:fld id="{F41FD93D-C80A-4A10-B1B5-F7A291B343FE}" type="datetimeFigureOut">
               <a:rPr lang="zh-CN" altLang="en-US" smtClean="0"/>
-              <a:t>2017/9/22</a:t>
+              <a:t>2017/10/14</a:t>
             </a:fld>
             <a:endParaRPr lang="zh-CN" altLang="en-US"/>
           </a:p>
@@ -2355,7 +2356,7 @@
           <a:p>
             <a:fld id="{F41FD93D-C80A-4A10-B1B5-F7A291B343FE}" type="datetimeFigureOut">
               <a:rPr lang="zh-CN" altLang="en-US" smtClean="0"/>
-              <a:t>2017/9/22</a:t>
+              <a:t>2017/10/14</a:t>
             </a:fld>
             <a:endParaRPr lang="zh-CN" altLang="en-US"/>
           </a:p>
@@ -2568,7 +2569,7 @@
           <a:p>
             <a:fld id="{F41FD93D-C80A-4A10-B1B5-F7A291B343FE}" type="datetimeFigureOut">
               <a:rPr lang="zh-CN" altLang="en-US" smtClean="0"/>
-              <a:t>2017/9/22</a:t>
+              <a:t>2017/10/14</a:t>
             </a:fld>
             <a:endParaRPr lang="zh-CN" altLang="en-US"/>
           </a:p>
@@ -2989,7 +2990,7 @@
         </p:blipFill>
         <p:spPr>
           <a:xfrm>
-            <a:off x="1433678" y="486130"/>
+            <a:off x="9095107" y="610418"/>
             <a:ext cx="2657143" cy="5676190"/>
           </a:xfrm>
           <a:prstGeom prst="rect">
@@ -3043,7 +3044,7 @@
         </p:blipFill>
         <p:spPr>
           <a:xfrm>
-            <a:off x="299586" y="247202"/>
+            <a:off x="219687" y="362612"/>
             <a:ext cx="11628000" cy="6310613"/>
           </a:xfrm>
           <a:prstGeom prst="rect">
@@ -3175,6 +3176,74 @@
 </file>
 
 <file path=ppt/slides/slide4.xml><?xml version="1.0" encoding="utf-8"?>
+<p:sld xmlns:a="http://schemas.openxmlformats.org/drawingml/2006/main" xmlns:r="http://schemas.openxmlformats.org/officeDocument/2006/relationships" xmlns:p="http://schemas.openxmlformats.org/presentationml/2006/main">
+  <p:cSld>
+    <p:spTree>
+      <p:nvGrpSpPr>
+        <p:cNvPr id="1" name=""/>
+        <p:cNvGrpSpPr/>
+        <p:nvPr/>
+      </p:nvGrpSpPr>
+      <p:grpSpPr>
+        <a:xfrm>
+          <a:off x="0" y="0"/>
+          <a:ext cx="0" cy="0"/>
+          <a:chOff x="0" y="0"/>
+          <a:chExt cx="0" cy="0"/>
+        </a:xfrm>
+      </p:grpSpPr>
+      <p:sp>
+        <p:nvSpPr>
+          <p:cNvPr id="2" name="标题 1"/>
+          <p:cNvSpPr>
+            <a:spLocks noGrp="1"/>
+          </p:cNvSpPr>
+          <p:nvPr>
+            <p:ph type="title"/>
+          </p:nvPr>
+        </p:nvSpPr>
+        <p:spPr/>
+        <p:txBody>
+          <a:bodyPr/>
+          <a:lstStyle/>
+          <a:p>
+            <a:endParaRPr lang="zh-CN" altLang="en-US" dirty="0"/>
+          </a:p>
+        </p:txBody>
+      </p:sp>
+      <p:sp>
+        <p:nvSpPr>
+          <p:cNvPr id="3" name="内容占位符 2"/>
+          <p:cNvSpPr>
+            <a:spLocks noGrp="1"/>
+          </p:cNvSpPr>
+          <p:nvPr>
+            <p:ph idx="1"/>
+          </p:nvPr>
+        </p:nvSpPr>
+        <p:spPr/>
+        <p:txBody>
+          <a:bodyPr/>
+          <a:lstStyle/>
+          <a:p>
+            <a:endParaRPr lang="zh-CN" altLang="en-US"/>
+          </a:p>
+        </p:txBody>
+      </p:sp>
+    </p:spTree>
+    <p:extLst>
+      <p:ext uri="{BB962C8B-B14F-4D97-AF65-F5344CB8AC3E}">
+        <p14:creationId xmlns:p14="http://schemas.microsoft.com/office/powerpoint/2010/main" val="2469725295"/>
+      </p:ext>
+    </p:extLst>
+  </p:cSld>
+  <p:clrMapOvr>
+    <a:masterClrMapping/>
+  </p:clrMapOvr>
+</p:sld>
+</file>
+
+<file path=ppt/slides/slide5.xml><?xml version="1.0" encoding="utf-8"?>
 <p:sld xmlns:a="http://schemas.openxmlformats.org/drawingml/2006/main" xmlns:r="http://schemas.openxmlformats.org/officeDocument/2006/relationships" xmlns:p="http://schemas.openxmlformats.org/presentationml/2006/main">
   <p:cSld>
     <p:spTree>
@@ -3235,7 +3304,7 @@
 </p:sld>
 </file>
 
-<file path=ppt/slides/slide5.xml><?xml version="1.0" encoding="utf-8"?>
+<file path=ppt/slides/slide6.xml><?xml version="1.0" encoding="utf-8"?>
 <p:sld xmlns:a="http://schemas.openxmlformats.org/drawingml/2006/main" xmlns:r="http://schemas.openxmlformats.org/officeDocument/2006/relationships" xmlns:p="http://schemas.openxmlformats.org/presentationml/2006/main">
   <p:cSld>
     <p:spTree>
